--- a/ppt 16-9/0767.与主更亲.pptx
+++ b/ppt 16-9/0767.与主更亲.pptx
@@ -5,7 +5,7 @@
     <p:sldMasterId id="2147483648" r:id="rId1"/>
   </p:sldMasterIdLst>
   <p:sldIdLst>
-    <p:sldId id="2020" r:id="rId2"/>
+    <p:sldId id="2021" r:id="rId2"/>
   </p:sldIdLst>
   <p:sldSz cx="12192000" cy="6858000"/>
   <p:notesSz cx="6858000" cy="9144000"/>
@@ -129,7 +129,7 @@
           <p:cNvPr id="2" name="标题 1">
             <a:extLst>
               <a:ext uri="{FF2B5EF4-FFF2-40B4-BE49-F238E27FC236}">
-                <a16:creationId xmlns:a16="http://schemas.microsoft.com/office/drawing/2014/main" id="{CC078668-F02A-38D0-4FB0-969150BC44A5}"/>
+                <a16:creationId xmlns:a16="http://schemas.microsoft.com/office/drawing/2014/main" id="{063C9A86-F6DF-ED05-210C-7CCCECE2FBA6}"/>
               </a:ext>
             </a:extLst>
           </p:cNvPr>
@@ -166,7 +166,7 @@
           <p:cNvPr id="3" name="副标题 2">
             <a:extLst>
               <a:ext uri="{FF2B5EF4-FFF2-40B4-BE49-F238E27FC236}">
-                <a16:creationId xmlns:a16="http://schemas.microsoft.com/office/drawing/2014/main" id="{DCB59079-CDA9-1421-0944-CA9F011A02CF}"/>
+                <a16:creationId xmlns:a16="http://schemas.microsoft.com/office/drawing/2014/main" id="{7C2F7C43-A19C-9E30-BADB-68903ED5FC94}"/>
               </a:ext>
             </a:extLst>
           </p:cNvPr>
@@ -236,7 +236,7 @@
           <p:cNvPr id="4" name="日期占位符 3">
             <a:extLst>
               <a:ext uri="{FF2B5EF4-FFF2-40B4-BE49-F238E27FC236}">
-                <a16:creationId xmlns:a16="http://schemas.microsoft.com/office/drawing/2014/main" id="{046D5736-D1C8-B830-0818-85135EE0ED1B}"/>
+                <a16:creationId xmlns:a16="http://schemas.microsoft.com/office/drawing/2014/main" id="{946F3240-4766-E3EE-2ED1-036CC3DBFF98}"/>
               </a:ext>
             </a:extLst>
           </p:cNvPr>
@@ -252,7 +252,7 @@
           <a:bodyPr/>
           <a:lstStyle/>
           <a:p>
-            <a:fld id="{CFD01A65-5A86-4388-9A12-A8EE3667C7FF}" type="datetimeFigureOut">
+            <a:fld id="{2A077E10-14FD-4E0E-A849-9BD65257CFCD}" type="datetimeFigureOut">
               <a:rPr lang="zh-CN" altLang="en-US" smtClean="0"/>
               <a:t>2024/3/10</a:t>
             </a:fld>
@@ -265,7 +265,7 @@
           <p:cNvPr id="5" name="页脚占位符 4">
             <a:extLst>
               <a:ext uri="{FF2B5EF4-FFF2-40B4-BE49-F238E27FC236}">
-                <a16:creationId xmlns:a16="http://schemas.microsoft.com/office/drawing/2014/main" id="{938EDF00-C8FA-F568-B33B-565BEECF5C58}"/>
+                <a16:creationId xmlns:a16="http://schemas.microsoft.com/office/drawing/2014/main" id="{F89DADFA-163C-0792-D9A9-9096AD625396}"/>
               </a:ext>
             </a:extLst>
           </p:cNvPr>
@@ -290,7 +290,7 @@
           <p:cNvPr id="6" name="灯片编号占位符 5">
             <a:extLst>
               <a:ext uri="{FF2B5EF4-FFF2-40B4-BE49-F238E27FC236}">
-                <a16:creationId xmlns:a16="http://schemas.microsoft.com/office/drawing/2014/main" id="{1266C42C-C564-5D3B-819A-C355AF1D6CA7}"/>
+                <a16:creationId xmlns:a16="http://schemas.microsoft.com/office/drawing/2014/main" id="{40853B36-7739-D7D5-CE45-F5D55F47D8A5}"/>
               </a:ext>
             </a:extLst>
           </p:cNvPr>
@@ -306,7 +306,7 @@
           <a:bodyPr/>
           <a:lstStyle/>
           <a:p>
-            <a:fld id="{4A1B0B51-F336-4B4D-8DA5-115D26E68432}" type="slidenum">
+            <a:fld id="{E0AE6715-F0AB-46A3-BBD9-26FE3181D59E}" type="slidenum">
               <a:rPr lang="zh-CN" altLang="en-US" smtClean="0"/>
               <a:t>‹#›</a:t>
             </a:fld>
@@ -317,7 +317,7 @@
     </p:spTree>
     <p:extLst>
       <p:ext uri="{BB962C8B-B14F-4D97-AF65-F5344CB8AC3E}">
-        <p14:creationId xmlns:p14="http://schemas.microsoft.com/office/powerpoint/2010/main" val="2576415378"/>
+        <p14:creationId xmlns:p14="http://schemas.microsoft.com/office/powerpoint/2010/main" val="2050626015"/>
       </p:ext>
     </p:extLst>
   </p:cSld>
@@ -349,7 +349,7 @@
           <p:cNvPr id="2" name="标题 1">
             <a:extLst>
               <a:ext uri="{FF2B5EF4-FFF2-40B4-BE49-F238E27FC236}">
-                <a16:creationId xmlns:a16="http://schemas.microsoft.com/office/drawing/2014/main" id="{A5852A42-F538-D98A-6F92-86CEE9E09527}"/>
+                <a16:creationId xmlns:a16="http://schemas.microsoft.com/office/drawing/2014/main" id="{E0CD16E8-CE8B-91A8-0596-561BCD861ED8}"/>
               </a:ext>
             </a:extLst>
           </p:cNvPr>
@@ -377,7 +377,7 @@
           <p:cNvPr id="3" name="竖排文字占位符 2">
             <a:extLst>
               <a:ext uri="{FF2B5EF4-FFF2-40B4-BE49-F238E27FC236}">
-                <a16:creationId xmlns:a16="http://schemas.microsoft.com/office/drawing/2014/main" id="{95E76A27-730A-0DE4-CE56-73F275D45FD8}"/>
+                <a16:creationId xmlns:a16="http://schemas.microsoft.com/office/drawing/2014/main" id="{71986179-2F97-4B82-24BB-ED17D497ABEB}"/>
               </a:ext>
             </a:extLst>
           </p:cNvPr>
@@ -434,7 +434,7 @@
           <p:cNvPr id="4" name="日期占位符 3">
             <a:extLst>
               <a:ext uri="{FF2B5EF4-FFF2-40B4-BE49-F238E27FC236}">
-                <a16:creationId xmlns:a16="http://schemas.microsoft.com/office/drawing/2014/main" id="{4E5075B9-1EEE-C663-57B2-72ED0CAE348F}"/>
+                <a16:creationId xmlns:a16="http://schemas.microsoft.com/office/drawing/2014/main" id="{0664AB6F-0F78-6B88-72F7-3BC4124AC349}"/>
               </a:ext>
             </a:extLst>
           </p:cNvPr>
@@ -450,7 +450,7 @@
           <a:bodyPr/>
           <a:lstStyle/>
           <a:p>
-            <a:fld id="{CFD01A65-5A86-4388-9A12-A8EE3667C7FF}" type="datetimeFigureOut">
+            <a:fld id="{2A077E10-14FD-4E0E-A849-9BD65257CFCD}" type="datetimeFigureOut">
               <a:rPr lang="zh-CN" altLang="en-US" smtClean="0"/>
               <a:t>2024/3/10</a:t>
             </a:fld>
@@ -463,7 +463,7 @@
           <p:cNvPr id="5" name="页脚占位符 4">
             <a:extLst>
               <a:ext uri="{FF2B5EF4-FFF2-40B4-BE49-F238E27FC236}">
-                <a16:creationId xmlns:a16="http://schemas.microsoft.com/office/drawing/2014/main" id="{367ACC8D-1635-C345-4DAC-4AEE08989D7F}"/>
+                <a16:creationId xmlns:a16="http://schemas.microsoft.com/office/drawing/2014/main" id="{5CCB4A29-4621-36CB-202E-F94E0BA76B96}"/>
               </a:ext>
             </a:extLst>
           </p:cNvPr>
@@ -488,7 +488,7 @@
           <p:cNvPr id="6" name="灯片编号占位符 5">
             <a:extLst>
               <a:ext uri="{FF2B5EF4-FFF2-40B4-BE49-F238E27FC236}">
-                <a16:creationId xmlns:a16="http://schemas.microsoft.com/office/drawing/2014/main" id="{5D8CC600-B7AB-CCCE-94F5-6E3EAA1B2133}"/>
+                <a16:creationId xmlns:a16="http://schemas.microsoft.com/office/drawing/2014/main" id="{04D04557-BEE6-E4F6-5505-56EEE7214E1F}"/>
               </a:ext>
             </a:extLst>
           </p:cNvPr>
@@ -504,7 +504,7 @@
           <a:bodyPr/>
           <a:lstStyle/>
           <a:p>
-            <a:fld id="{4A1B0B51-F336-4B4D-8DA5-115D26E68432}" type="slidenum">
+            <a:fld id="{E0AE6715-F0AB-46A3-BBD9-26FE3181D59E}" type="slidenum">
               <a:rPr lang="zh-CN" altLang="en-US" smtClean="0"/>
               <a:t>‹#›</a:t>
             </a:fld>
@@ -515,7 +515,7 @@
     </p:spTree>
     <p:extLst>
       <p:ext uri="{BB962C8B-B14F-4D97-AF65-F5344CB8AC3E}">
-        <p14:creationId xmlns:p14="http://schemas.microsoft.com/office/powerpoint/2010/main" val="2585854973"/>
+        <p14:creationId xmlns:p14="http://schemas.microsoft.com/office/powerpoint/2010/main" val="3037559900"/>
       </p:ext>
     </p:extLst>
   </p:cSld>
@@ -547,7 +547,7 @@
           <p:cNvPr id="2" name="竖排标题 1">
             <a:extLst>
               <a:ext uri="{FF2B5EF4-FFF2-40B4-BE49-F238E27FC236}">
-                <a16:creationId xmlns:a16="http://schemas.microsoft.com/office/drawing/2014/main" id="{2B895C8F-3313-5B0C-6465-18C2B804CCD9}"/>
+                <a16:creationId xmlns:a16="http://schemas.microsoft.com/office/drawing/2014/main" id="{9D0F1F43-4C15-2BE3-7A57-A664679E5AB7}"/>
               </a:ext>
             </a:extLst>
           </p:cNvPr>
@@ -580,7 +580,7 @@
           <p:cNvPr id="3" name="竖排文字占位符 2">
             <a:extLst>
               <a:ext uri="{FF2B5EF4-FFF2-40B4-BE49-F238E27FC236}">
-                <a16:creationId xmlns:a16="http://schemas.microsoft.com/office/drawing/2014/main" id="{355D4A0D-D9B8-086C-BA9A-E6EAD04A4EC0}"/>
+                <a16:creationId xmlns:a16="http://schemas.microsoft.com/office/drawing/2014/main" id="{24463EE4-C327-8FEA-511A-98C90071379F}"/>
               </a:ext>
             </a:extLst>
           </p:cNvPr>
@@ -642,7 +642,7 @@
           <p:cNvPr id="4" name="日期占位符 3">
             <a:extLst>
               <a:ext uri="{FF2B5EF4-FFF2-40B4-BE49-F238E27FC236}">
-                <a16:creationId xmlns:a16="http://schemas.microsoft.com/office/drawing/2014/main" id="{E38EB012-58D3-574A-FAF2-B6358E7420A1}"/>
+                <a16:creationId xmlns:a16="http://schemas.microsoft.com/office/drawing/2014/main" id="{FC78DB7D-7150-9586-2931-E57CE74F3914}"/>
               </a:ext>
             </a:extLst>
           </p:cNvPr>
@@ -658,7 +658,7 @@
           <a:bodyPr/>
           <a:lstStyle/>
           <a:p>
-            <a:fld id="{CFD01A65-5A86-4388-9A12-A8EE3667C7FF}" type="datetimeFigureOut">
+            <a:fld id="{2A077E10-14FD-4E0E-A849-9BD65257CFCD}" type="datetimeFigureOut">
               <a:rPr lang="zh-CN" altLang="en-US" smtClean="0"/>
               <a:t>2024/3/10</a:t>
             </a:fld>
@@ -671,7 +671,7 @@
           <p:cNvPr id="5" name="页脚占位符 4">
             <a:extLst>
               <a:ext uri="{FF2B5EF4-FFF2-40B4-BE49-F238E27FC236}">
-                <a16:creationId xmlns:a16="http://schemas.microsoft.com/office/drawing/2014/main" id="{798F8E79-F5D2-A609-F976-59DC380006B2}"/>
+                <a16:creationId xmlns:a16="http://schemas.microsoft.com/office/drawing/2014/main" id="{77AD303D-918E-1A49-D7AC-82CD06B43BC0}"/>
               </a:ext>
             </a:extLst>
           </p:cNvPr>
@@ -696,7 +696,7 @@
           <p:cNvPr id="6" name="灯片编号占位符 5">
             <a:extLst>
               <a:ext uri="{FF2B5EF4-FFF2-40B4-BE49-F238E27FC236}">
-                <a16:creationId xmlns:a16="http://schemas.microsoft.com/office/drawing/2014/main" id="{F6DECF41-5C11-54BC-85C1-3198FFA94506}"/>
+                <a16:creationId xmlns:a16="http://schemas.microsoft.com/office/drawing/2014/main" id="{0060B280-45BC-9C90-F752-5AF1192AA18C}"/>
               </a:ext>
             </a:extLst>
           </p:cNvPr>
@@ -712,7 +712,7 @@
           <a:bodyPr/>
           <a:lstStyle/>
           <a:p>
-            <a:fld id="{4A1B0B51-F336-4B4D-8DA5-115D26E68432}" type="slidenum">
+            <a:fld id="{E0AE6715-F0AB-46A3-BBD9-26FE3181D59E}" type="slidenum">
               <a:rPr lang="zh-CN" altLang="en-US" smtClean="0"/>
               <a:t>‹#›</a:t>
             </a:fld>
@@ -723,7 +723,7 @@
     </p:spTree>
     <p:extLst>
       <p:ext uri="{BB962C8B-B14F-4D97-AF65-F5344CB8AC3E}">
-        <p14:creationId xmlns:p14="http://schemas.microsoft.com/office/powerpoint/2010/main" val="2126826696"/>
+        <p14:creationId xmlns:p14="http://schemas.microsoft.com/office/powerpoint/2010/main" val="1702355684"/>
       </p:ext>
     </p:extLst>
   </p:cSld>
@@ -755,7 +755,7 @@
           <p:cNvPr id="2" name="标题 1">
             <a:extLst>
               <a:ext uri="{FF2B5EF4-FFF2-40B4-BE49-F238E27FC236}">
-                <a16:creationId xmlns:a16="http://schemas.microsoft.com/office/drawing/2014/main" id="{1B7209E0-95FA-7BD5-20F4-7BC5E05A7455}"/>
+                <a16:creationId xmlns:a16="http://schemas.microsoft.com/office/drawing/2014/main" id="{B9CA9704-910F-9F29-9286-F7D80E0935D1}"/>
               </a:ext>
             </a:extLst>
           </p:cNvPr>
@@ -783,7 +783,7 @@
           <p:cNvPr id="3" name="内容占位符 2">
             <a:extLst>
               <a:ext uri="{FF2B5EF4-FFF2-40B4-BE49-F238E27FC236}">
-                <a16:creationId xmlns:a16="http://schemas.microsoft.com/office/drawing/2014/main" id="{1B7FDCE9-642D-8BAF-61DD-E1F57D2548DD}"/>
+                <a16:creationId xmlns:a16="http://schemas.microsoft.com/office/drawing/2014/main" id="{CAB0E158-26BF-D0CC-FD41-6D338770AD9C}"/>
               </a:ext>
             </a:extLst>
           </p:cNvPr>
@@ -840,7 +840,7 @@
           <p:cNvPr id="4" name="日期占位符 3">
             <a:extLst>
               <a:ext uri="{FF2B5EF4-FFF2-40B4-BE49-F238E27FC236}">
-                <a16:creationId xmlns:a16="http://schemas.microsoft.com/office/drawing/2014/main" id="{5063C773-14A2-CBAA-A16B-3A2958409ECD}"/>
+                <a16:creationId xmlns:a16="http://schemas.microsoft.com/office/drawing/2014/main" id="{4118008A-3F33-AFB4-9968-7322F322E7D5}"/>
               </a:ext>
             </a:extLst>
           </p:cNvPr>
@@ -856,7 +856,7 @@
           <a:bodyPr/>
           <a:lstStyle/>
           <a:p>
-            <a:fld id="{CFD01A65-5A86-4388-9A12-A8EE3667C7FF}" type="datetimeFigureOut">
+            <a:fld id="{2A077E10-14FD-4E0E-A849-9BD65257CFCD}" type="datetimeFigureOut">
               <a:rPr lang="zh-CN" altLang="en-US" smtClean="0"/>
               <a:t>2024/3/10</a:t>
             </a:fld>
@@ -869,7 +869,7 @@
           <p:cNvPr id="5" name="页脚占位符 4">
             <a:extLst>
               <a:ext uri="{FF2B5EF4-FFF2-40B4-BE49-F238E27FC236}">
-                <a16:creationId xmlns:a16="http://schemas.microsoft.com/office/drawing/2014/main" id="{8F1F08F7-D3BF-A726-E1DD-CF31B15C75A6}"/>
+                <a16:creationId xmlns:a16="http://schemas.microsoft.com/office/drawing/2014/main" id="{2721F0C6-83F4-E520-BF9F-CE2006CA3457}"/>
               </a:ext>
             </a:extLst>
           </p:cNvPr>
@@ -894,7 +894,7 @@
           <p:cNvPr id="6" name="灯片编号占位符 5">
             <a:extLst>
               <a:ext uri="{FF2B5EF4-FFF2-40B4-BE49-F238E27FC236}">
-                <a16:creationId xmlns:a16="http://schemas.microsoft.com/office/drawing/2014/main" id="{AFCA46A5-0CED-71DD-9FD2-AE61C7AE54A7}"/>
+                <a16:creationId xmlns:a16="http://schemas.microsoft.com/office/drawing/2014/main" id="{ADFCB8BE-D571-FD86-FA1D-C21B12B9E55D}"/>
               </a:ext>
             </a:extLst>
           </p:cNvPr>
@@ -910,7 +910,7 @@
           <a:bodyPr/>
           <a:lstStyle/>
           <a:p>
-            <a:fld id="{4A1B0B51-F336-4B4D-8DA5-115D26E68432}" type="slidenum">
+            <a:fld id="{E0AE6715-F0AB-46A3-BBD9-26FE3181D59E}" type="slidenum">
               <a:rPr lang="zh-CN" altLang="en-US" smtClean="0"/>
               <a:t>‹#›</a:t>
             </a:fld>
@@ -921,7 +921,7 @@
     </p:spTree>
     <p:extLst>
       <p:ext uri="{BB962C8B-B14F-4D97-AF65-F5344CB8AC3E}">
-        <p14:creationId xmlns:p14="http://schemas.microsoft.com/office/powerpoint/2010/main" val="1462316066"/>
+        <p14:creationId xmlns:p14="http://schemas.microsoft.com/office/powerpoint/2010/main" val="2235740298"/>
       </p:ext>
     </p:extLst>
   </p:cSld>
@@ -953,7 +953,7 @@
           <p:cNvPr id="2" name="标题 1">
             <a:extLst>
               <a:ext uri="{FF2B5EF4-FFF2-40B4-BE49-F238E27FC236}">
-                <a16:creationId xmlns:a16="http://schemas.microsoft.com/office/drawing/2014/main" id="{7052AF9E-A7E3-2B55-C94E-BCDE78BA0035}"/>
+                <a16:creationId xmlns:a16="http://schemas.microsoft.com/office/drawing/2014/main" id="{1BF7ECF4-B9DC-9A8D-C2A3-19D73727E446}"/>
               </a:ext>
             </a:extLst>
           </p:cNvPr>
@@ -990,7 +990,7 @@
           <p:cNvPr id="3" name="文本占位符 2">
             <a:extLst>
               <a:ext uri="{FF2B5EF4-FFF2-40B4-BE49-F238E27FC236}">
-                <a16:creationId xmlns:a16="http://schemas.microsoft.com/office/drawing/2014/main" id="{69AD7656-F5B1-8226-5253-6536097F0ACA}"/>
+                <a16:creationId xmlns:a16="http://schemas.microsoft.com/office/drawing/2014/main" id="{827F1C6E-1F72-66CC-713A-266CC3790228}"/>
               </a:ext>
             </a:extLst>
           </p:cNvPr>
@@ -1115,7 +1115,7 @@
           <p:cNvPr id="4" name="日期占位符 3">
             <a:extLst>
               <a:ext uri="{FF2B5EF4-FFF2-40B4-BE49-F238E27FC236}">
-                <a16:creationId xmlns:a16="http://schemas.microsoft.com/office/drawing/2014/main" id="{97C06628-2C8A-6B60-84DA-1814F7E91CD2}"/>
+                <a16:creationId xmlns:a16="http://schemas.microsoft.com/office/drawing/2014/main" id="{2FDFB9CB-5366-1AA5-0DFA-8EFD19823035}"/>
               </a:ext>
             </a:extLst>
           </p:cNvPr>
@@ -1131,7 +1131,7 @@
           <a:bodyPr/>
           <a:lstStyle/>
           <a:p>
-            <a:fld id="{CFD01A65-5A86-4388-9A12-A8EE3667C7FF}" type="datetimeFigureOut">
+            <a:fld id="{2A077E10-14FD-4E0E-A849-9BD65257CFCD}" type="datetimeFigureOut">
               <a:rPr lang="zh-CN" altLang="en-US" smtClean="0"/>
               <a:t>2024/3/10</a:t>
             </a:fld>
@@ -1144,7 +1144,7 @@
           <p:cNvPr id="5" name="页脚占位符 4">
             <a:extLst>
               <a:ext uri="{FF2B5EF4-FFF2-40B4-BE49-F238E27FC236}">
-                <a16:creationId xmlns:a16="http://schemas.microsoft.com/office/drawing/2014/main" id="{7E231EB3-9AA7-5CFB-D90E-331FFE9E746C}"/>
+                <a16:creationId xmlns:a16="http://schemas.microsoft.com/office/drawing/2014/main" id="{9BAEC046-73F7-2ECD-ED42-843501503293}"/>
               </a:ext>
             </a:extLst>
           </p:cNvPr>
@@ -1169,7 +1169,7 @@
           <p:cNvPr id="6" name="灯片编号占位符 5">
             <a:extLst>
               <a:ext uri="{FF2B5EF4-FFF2-40B4-BE49-F238E27FC236}">
-                <a16:creationId xmlns:a16="http://schemas.microsoft.com/office/drawing/2014/main" id="{7186A1CA-1110-3151-0ADA-C41E28D59579}"/>
+                <a16:creationId xmlns:a16="http://schemas.microsoft.com/office/drawing/2014/main" id="{5D7D4E0B-3B14-9EB2-678D-450E86985DC4}"/>
               </a:ext>
             </a:extLst>
           </p:cNvPr>
@@ -1185,7 +1185,7 @@
           <a:bodyPr/>
           <a:lstStyle/>
           <a:p>
-            <a:fld id="{4A1B0B51-F336-4B4D-8DA5-115D26E68432}" type="slidenum">
+            <a:fld id="{E0AE6715-F0AB-46A3-BBD9-26FE3181D59E}" type="slidenum">
               <a:rPr lang="zh-CN" altLang="en-US" smtClean="0"/>
               <a:t>‹#›</a:t>
             </a:fld>
@@ -1196,7 +1196,7 @@
     </p:spTree>
     <p:extLst>
       <p:ext uri="{BB962C8B-B14F-4D97-AF65-F5344CB8AC3E}">
-        <p14:creationId xmlns:p14="http://schemas.microsoft.com/office/powerpoint/2010/main" val="2386798338"/>
+        <p14:creationId xmlns:p14="http://schemas.microsoft.com/office/powerpoint/2010/main" val="3241737166"/>
       </p:ext>
     </p:extLst>
   </p:cSld>
@@ -1228,7 +1228,7 @@
           <p:cNvPr id="2" name="标题 1">
             <a:extLst>
               <a:ext uri="{FF2B5EF4-FFF2-40B4-BE49-F238E27FC236}">
-                <a16:creationId xmlns:a16="http://schemas.microsoft.com/office/drawing/2014/main" id="{C541AF2B-43BE-114F-2808-04DAE7F9F627}"/>
+                <a16:creationId xmlns:a16="http://schemas.microsoft.com/office/drawing/2014/main" id="{5391F2F3-372E-37CE-CB63-E9C1ED86CADE}"/>
               </a:ext>
             </a:extLst>
           </p:cNvPr>
@@ -1256,7 +1256,7 @@
           <p:cNvPr id="3" name="内容占位符 2">
             <a:extLst>
               <a:ext uri="{FF2B5EF4-FFF2-40B4-BE49-F238E27FC236}">
-                <a16:creationId xmlns:a16="http://schemas.microsoft.com/office/drawing/2014/main" id="{BFDD9418-81A1-9066-55DC-39F5FE713615}"/>
+                <a16:creationId xmlns:a16="http://schemas.microsoft.com/office/drawing/2014/main" id="{43B69B5D-60DB-5A28-A3AD-A52D827BDF5B}"/>
               </a:ext>
             </a:extLst>
           </p:cNvPr>
@@ -1318,7 +1318,7 @@
           <p:cNvPr id="4" name="内容占位符 3">
             <a:extLst>
               <a:ext uri="{FF2B5EF4-FFF2-40B4-BE49-F238E27FC236}">
-                <a16:creationId xmlns:a16="http://schemas.microsoft.com/office/drawing/2014/main" id="{7E404D67-6A6D-1E32-4542-97EB9CB316AF}"/>
+                <a16:creationId xmlns:a16="http://schemas.microsoft.com/office/drawing/2014/main" id="{7336C3B5-970B-844F-A76F-CC1CEEEDADAC}"/>
               </a:ext>
             </a:extLst>
           </p:cNvPr>
@@ -1380,7 +1380,7 @@
           <p:cNvPr id="5" name="日期占位符 4">
             <a:extLst>
               <a:ext uri="{FF2B5EF4-FFF2-40B4-BE49-F238E27FC236}">
-                <a16:creationId xmlns:a16="http://schemas.microsoft.com/office/drawing/2014/main" id="{2D602C9E-158F-571F-5A0A-08E5119FECD1}"/>
+                <a16:creationId xmlns:a16="http://schemas.microsoft.com/office/drawing/2014/main" id="{84D88716-DB97-9392-1B2F-717765EE59E0}"/>
               </a:ext>
             </a:extLst>
           </p:cNvPr>
@@ -1396,7 +1396,7 @@
           <a:bodyPr/>
           <a:lstStyle/>
           <a:p>
-            <a:fld id="{CFD01A65-5A86-4388-9A12-A8EE3667C7FF}" type="datetimeFigureOut">
+            <a:fld id="{2A077E10-14FD-4E0E-A849-9BD65257CFCD}" type="datetimeFigureOut">
               <a:rPr lang="zh-CN" altLang="en-US" smtClean="0"/>
               <a:t>2024/3/10</a:t>
             </a:fld>
@@ -1409,7 +1409,7 @@
           <p:cNvPr id="6" name="页脚占位符 5">
             <a:extLst>
               <a:ext uri="{FF2B5EF4-FFF2-40B4-BE49-F238E27FC236}">
-                <a16:creationId xmlns:a16="http://schemas.microsoft.com/office/drawing/2014/main" id="{108EBA05-C665-9E85-46FE-0B02865E39EF}"/>
+                <a16:creationId xmlns:a16="http://schemas.microsoft.com/office/drawing/2014/main" id="{7C712A77-7135-3322-0A6E-A2D6C6C8DB8C}"/>
               </a:ext>
             </a:extLst>
           </p:cNvPr>
@@ -1434,7 +1434,7 @@
           <p:cNvPr id="7" name="灯片编号占位符 6">
             <a:extLst>
               <a:ext uri="{FF2B5EF4-FFF2-40B4-BE49-F238E27FC236}">
-                <a16:creationId xmlns:a16="http://schemas.microsoft.com/office/drawing/2014/main" id="{06E044B7-A728-BCF8-B961-8AAA7CF04806}"/>
+                <a16:creationId xmlns:a16="http://schemas.microsoft.com/office/drawing/2014/main" id="{DF17E630-1DD2-D29F-4509-57703B81C41A}"/>
               </a:ext>
             </a:extLst>
           </p:cNvPr>
@@ -1450,7 +1450,7 @@
           <a:bodyPr/>
           <a:lstStyle/>
           <a:p>
-            <a:fld id="{4A1B0B51-F336-4B4D-8DA5-115D26E68432}" type="slidenum">
+            <a:fld id="{E0AE6715-F0AB-46A3-BBD9-26FE3181D59E}" type="slidenum">
               <a:rPr lang="zh-CN" altLang="en-US" smtClean="0"/>
               <a:t>‹#›</a:t>
             </a:fld>
@@ -1461,7 +1461,7 @@
     </p:spTree>
     <p:extLst>
       <p:ext uri="{BB962C8B-B14F-4D97-AF65-F5344CB8AC3E}">
-        <p14:creationId xmlns:p14="http://schemas.microsoft.com/office/powerpoint/2010/main" val="2629701620"/>
+        <p14:creationId xmlns:p14="http://schemas.microsoft.com/office/powerpoint/2010/main" val="4165016142"/>
       </p:ext>
     </p:extLst>
   </p:cSld>
@@ -1493,7 +1493,7 @@
           <p:cNvPr id="2" name="标题 1">
             <a:extLst>
               <a:ext uri="{FF2B5EF4-FFF2-40B4-BE49-F238E27FC236}">
-                <a16:creationId xmlns:a16="http://schemas.microsoft.com/office/drawing/2014/main" id="{0C179FCF-5A29-2C42-BE48-C249FE388609}"/>
+                <a16:creationId xmlns:a16="http://schemas.microsoft.com/office/drawing/2014/main" id="{1606DD5A-4109-E543-9B27-D6C7B7B68D7C}"/>
               </a:ext>
             </a:extLst>
           </p:cNvPr>
@@ -1526,7 +1526,7 @@
           <p:cNvPr id="3" name="文本占位符 2">
             <a:extLst>
               <a:ext uri="{FF2B5EF4-FFF2-40B4-BE49-F238E27FC236}">
-                <a16:creationId xmlns:a16="http://schemas.microsoft.com/office/drawing/2014/main" id="{A52F970F-D22A-30C7-F35A-F33C2D25AB04}"/>
+                <a16:creationId xmlns:a16="http://schemas.microsoft.com/office/drawing/2014/main" id="{D458DDFC-1218-9710-31D8-91C3CC055655}"/>
               </a:ext>
             </a:extLst>
           </p:cNvPr>
@@ -1597,7 +1597,7 @@
           <p:cNvPr id="4" name="内容占位符 3">
             <a:extLst>
               <a:ext uri="{FF2B5EF4-FFF2-40B4-BE49-F238E27FC236}">
-                <a16:creationId xmlns:a16="http://schemas.microsoft.com/office/drawing/2014/main" id="{796CF58D-018E-67EA-7F9E-CAA514FF15DA}"/>
+                <a16:creationId xmlns:a16="http://schemas.microsoft.com/office/drawing/2014/main" id="{AAECA141-A66C-2994-7B48-786CE7AFD777}"/>
               </a:ext>
             </a:extLst>
           </p:cNvPr>
@@ -1659,7 +1659,7 @@
           <p:cNvPr id="5" name="文本占位符 4">
             <a:extLst>
               <a:ext uri="{FF2B5EF4-FFF2-40B4-BE49-F238E27FC236}">
-                <a16:creationId xmlns:a16="http://schemas.microsoft.com/office/drawing/2014/main" id="{4E4F77B1-04F9-B287-6E01-812A566DD481}"/>
+                <a16:creationId xmlns:a16="http://schemas.microsoft.com/office/drawing/2014/main" id="{04584435-B7E8-D812-667E-A1E4C2886910}"/>
               </a:ext>
             </a:extLst>
           </p:cNvPr>
@@ -1730,7 +1730,7 @@
           <p:cNvPr id="6" name="内容占位符 5">
             <a:extLst>
               <a:ext uri="{FF2B5EF4-FFF2-40B4-BE49-F238E27FC236}">
-                <a16:creationId xmlns:a16="http://schemas.microsoft.com/office/drawing/2014/main" id="{9D397C9E-6764-4BCF-7C07-4682B2CB6BEA}"/>
+                <a16:creationId xmlns:a16="http://schemas.microsoft.com/office/drawing/2014/main" id="{AFB4180A-7F70-E883-2E0E-9BE3AB1B606A}"/>
               </a:ext>
             </a:extLst>
           </p:cNvPr>
@@ -1792,7 +1792,7 @@
           <p:cNvPr id="7" name="日期占位符 6">
             <a:extLst>
               <a:ext uri="{FF2B5EF4-FFF2-40B4-BE49-F238E27FC236}">
-                <a16:creationId xmlns:a16="http://schemas.microsoft.com/office/drawing/2014/main" id="{E5BCE913-15EA-281B-5C77-F105CA2A33CD}"/>
+                <a16:creationId xmlns:a16="http://schemas.microsoft.com/office/drawing/2014/main" id="{04CB3C5F-B4DD-45BD-0A5A-E34D6519CF9C}"/>
               </a:ext>
             </a:extLst>
           </p:cNvPr>
@@ -1808,7 +1808,7 @@
           <a:bodyPr/>
           <a:lstStyle/>
           <a:p>
-            <a:fld id="{CFD01A65-5A86-4388-9A12-A8EE3667C7FF}" type="datetimeFigureOut">
+            <a:fld id="{2A077E10-14FD-4E0E-A849-9BD65257CFCD}" type="datetimeFigureOut">
               <a:rPr lang="zh-CN" altLang="en-US" smtClean="0"/>
               <a:t>2024/3/10</a:t>
             </a:fld>
@@ -1821,7 +1821,7 @@
           <p:cNvPr id="8" name="页脚占位符 7">
             <a:extLst>
               <a:ext uri="{FF2B5EF4-FFF2-40B4-BE49-F238E27FC236}">
-                <a16:creationId xmlns:a16="http://schemas.microsoft.com/office/drawing/2014/main" id="{3434B9FF-9ECB-60E9-8C98-B84475391D74}"/>
+                <a16:creationId xmlns:a16="http://schemas.microsoft.com/office/drawing/2014/main" id="{4CACE244-C2C8-16A5-5A38-457B4345F0F5}"/>
               </a:ext>
             </a:extLst>
           </p:cNvPr>
@@ -1846,7 +1846,7 @@
           <p:cNvPr id="9" name="灯片编号占位符 8">
             <a:extLst>
               <a:ext uri="{FF2B5EF4-FFF2-40B4-BE49-F238E27FC236}">
-                <a16:creationId xmlns:a16="http://schemas.microsoft.com/office/drawing/2014/main" id="{7ECCCAE4-075C-9294-CA90-E532AF2BB2BA}"/>
+                <a16:creationId xmlns:a16="http://schemas.microsoft.com/office/drawing/2014/main" id="{310D3A45-C5C7-0E19-BDAA-FEBEDAB8D3F1}"/>
               </a:ext>
             </a:extLst>
           </p:cNvPr>
@@ -1862,7 +1862,7 @@
           <a:bodyPr/>
           <a:lstStyle/>
           <a:p>
-            <a:fld id="{4A1B0B51-F336-4B4D-8DA5-115D26E68432}" type="slidenum">
+            <a:fld id="{E0AE6715-F0AB-46A3-BBD9-26FE3181D59E}" type="slidenum">
               <a:rPr lang="zh-CN" altLang="en-US" smtClean="0"/>
               <a:t>‹#›</a:t>
             </a:fld>
@@ -1873,7 +1873,7 @@
     </p:spTree>
     <p:extLst>
       <p:ext uri="{BB962C8B-B14F-4D97-AF65-F5344CB8AC3E}">
-        <p14:creationId xmlns:p14="http://schemas.microsoft.com/office/powerpoint/2010/main" val="2272447438"/>
+        <p14:creationId xmlns:p14="http://schemas.microsoft.com/office/powerpoint/2010/main" val="4202070441"/>
       </p:ext>
     </p:extLst>
   </p:cSld>
@@ -1905,7 +1905,7 @@
           <p:cNvPr id="2" name="标题 1">
             <a:extLst>
               <a:ext uri="{FF2B5EF4-FFF2-40B4-BE49-F238E27FC236}">
-                <a16:creationId xmlns:a16="http://schemas.microsoft.com/office/drawing/2014/main" id="{4CDDA8B3-DD1F-B1D9-6F90-5FACE08D190F}"/>
+                <a16:creationId xmlns:a16="http://schemas.microsoft.com/office/drawing/2014/main" id="{760F0F4F-03FB-0936-2AC7-94E3ECA90483}"/>
               </a:ext>
             </a:extLst>
           </p:cNvPr>
@@ -1933,7 +1933,7 @@
           <p:cNvPr id="3" name="日期占位符 2">
             <a:extLst>
               <a:ext uri="{FF2B5EF4-FFF2-40B4-BE49-F238E27FC236}">
-                <a16:creationId xmlns:a16="http://schemas.microsoft.com/office/drawing/2014/main" id="{16AADC3D-2802-A558-5E1B-818F5984E3AB}"/>
+                <a16:creationId xmlns:a16="http://schemas.microsoft.com/office/drawing/2014/main" id="{7FE4C81B-B66D-A022-26D5-3B85D675ADC4}"/>
               </a:ext>
             </a:extLst>
           </p:cNvPr>
@@ -1949,7 +1949,7 @@
           <a:bodyPr/>
           <a:lstStyle/>
           <a:p>
-            <a:fld id="{CFD01A65-5A86-4388-9A12-A8EE3667C7FF}" type="datetimeFigureOut">
+            <a:fld id="{2A077E10-14FD-4E0E-A849-9BD65257CFCD}" type="datetimeFigureOut">
               <a:rPr lang="zh-CN" altLang="en-US" smtClean="0"/>
               <a:t>2024/3/10</a:t>
             </a:fld>
@@ -1962,7 +1962,7 @@
           <p:cNvPr id="4" name="页脚占位符 3">
             <a:extLst>
               <a:ext uri="{FF2B5EF4-FFF2-40B4-BE49-F238E27FC236}">
-                <a16:creationId xmlns:a16="http://schemas.microsoft.com/office/drawing/2014/main" id="{8064183F-0B17-B89B-9B40-1F3D1A98674E}"/>
+                <a16:creationId xmlns:a16="http://schemas.microsoft.com/office/drawing/2014/main" id="{4CE4EBA8-CD64-A8CF-095E-4C93B066F5D0}"/>
               </a:ext>
             </a:extLst>
           </p:cNvPr>
@@ -1987,7 +1987,7 @@
           <p:cNvPr id="5" name="灯片编号占位符 4">
             <a:extLst>
               <a:ext uri="{FF2B5EF4-FFF2-40B4-BE49-F238E27FC236}">
-                <a16:creationId xmlns:a16="http://schemas.microsoft.com/office/drawing/2014/main" id="{0DD66C66-9C3C-AD4F-26AE-D55EC95E65E7}"/>
+                <a16:creationId xmlns:a16="http://schemas.microsoft.com/office/drawing/2014/main" id="{F4FAB5F6-4F2E-023F-40A8-15428A3EBB53}"/>
               </a:ext>
             </a:extLst>
           </p:cNvPr>
@@ -2003,7 +2003,7 @@
           <a:bodyPr/>
           <a:lstStyle/>
           <a:p>
-            <a:fld id="{4A1B0B51-F336-4B4D-8DA5-115D26E68432}" type="slidenum">
+            <a:fld id="{E0AE6715-F0AB-46A3-BBD9-26FE3181D59E}" type="slidenum">
               <a:rPr lang="zh-CN" altLang="en-US" smtClean="0"/>
               <a:t>‹#›</a:t>
             </a:fld>
@@ -2014,7 +2014,7 @@
     </p:spTree>
     <p:extLst>
       <p:ext uri="{BB962C8B-B14F-4D97-AF65-F5344CB8AC3E}">
-        <p14:creationId xmlns:p14="http://schemas.microsoft.com/office/powerpoint/2010/main" val="287293397"/>
+        <p14:creationId xmlns:p14="http://schemas.microsoft.com/office/powerpoint/2010/main" val="3025182745"/>
       </p:ext>
     </p:extLst>
   </p:cSld>
@@ -2046,7 +2046,7 @@
           <p:cNvPr id="2" name="日期占位符 1">
             <a:extLst>
               <a:ext uri="{FF2B5EF4-FFF2-40B4-BE49-F238E27FC236}">
-                <a16:creationId xmlns:a16="http://schemas.microsoft.com/office/drawing/2014/main" id="{5846BC7D-28D4-1ADF-12B9-E630C4B6D288}"/>
+                <a16:creationId xmlns:a16="http://schemas.microsoft.com/office/drawing/2014/main" id="{D433F98D-3F98-A636-F038-339D639CCE6E}"/>
               </a:ext>
             </a:extLst>
           </p:cNvPr>
@@ -2062,7 +2062,7 @@
           <a:bodyPr/>
           <a:lstStyle/>
           <a:p>
-            <a:fld id="{CFD01A65-5A86-4388-9A12-A8EE3667C7FF}" type="datetimeFigureOut">
+            <a:fld id="{2A077E10-14FD-4E0E-A849-9BD65257CFCD}" type="datetimeFigureOut">
               <a:rPr lang="zh-CN" altLang="en-US" smtClean="0"/>
               <a:t>2024/3/10</a:t>
             </a:fld>
@@ -2075,7 +2075,7 @@
           <p:cNvPr id="3" name="页脚占位符 2">
             <a:extLst>
               <a:ext uri="{FF2B5EF4-FFF2-40B4-BE49-F238E27FC236}">
-                <a16:creationId xmlns:a16="http://schemas.microsoft.com/office/drawing/2014/main" id="{C9578B06-E66A-81E6-0FDD-508FEC90E49E}"/>
+                <a16:creationId xmlns:a16="http://schemas.microsoft.com/office/drawing/2014/main" id="{B94F712C-0CFE-7A01-E741-2C037AE4C6E6}"/>
               </a:ext>
             </a:extLst>
           </p:cNvPr>
@@ -2100,7 +2100,7 @@
           <p:cNvPr id="4" name="灯片编号占位符 3">
             <a:extLst>
               <a:ext uri="{FF2B5EF4-FFF2-40B4-BE49-F238E27FC236}">
-                <a16:creationId xmlns:a16="http://schemas.microsoft.com/office/drawing/2014/main" id="{1706667C-5ABC-4EB3-A47D-926CF16A87DC}"/>
+                <a16:creationId xmlns:a16="http://schemas.microsoft.com/office/drawing/2014/main" id="{CCB648E5-070D-14D3-26B3-6A9DD18F7C4D}"/>
               </a:ext>
             </a:extLst>
           </p:cNvPr>
@@ -2116,7 +2116,7 @@
           <a:bodyPr/>
           <a:lstStyle/>
           <a:p>
-            <a:fld id="{4A1B0B51-F336-4B4D-8DA5-115D26E68432}" type="slidenum">
+            <a:fld id="{E0AE6715-F0AB-46A3-BBD9-26FE3181D59E}" type="slidenum">
               <a:rPr lang="zh-CN" altLang="en-US" smtClean="0"/>
               <a:t>‹#›</a:t>
             </a:fld>
@@ -2127,7 +2127,7 @@
     </p:spTree>
     <p:extLst>
       <p:ext uri="{BB962C8B-B14F-4D97-AF65-F5344CB8AC3E}">
-        <p14:creationId xmlns:p14="http://schemas.microsoft.com/office/powerpoint/2010/main" val="1063702080"/>
+        <p14:creationId xmlns:p14="http://schemas.microsoft.com/office/powerpoint/2010/main" val="1319180305"/>
       </p:ext>
     </p:extLst>
   </p:cSld>
@@ -2159,7 +2159,7 @@
           <p:cNvPr id="2" name="标题 1">
             <a:extLst>
               <a:ext uri="{FF2B5EF4-FFF2-40B4-BE49-F238E27FC236}">
-                <a16:creationId xmlns:a16="http://schemas.microsoft.com/office/drawing/2014/main" id="{5F6E11F4-94A3-1D69-170A-8521E331296E}"/>
+                <a16:creationId xmlns:a16="http://schemas.microsoft.com/office/drawing/2014/main" id="{45E35D88-6A0A-32DB-0211-8B5C7020CE4F}"/>
               </a:ext>
             </a:extLst>
           </p:cNvPr>
@@ -2196,7 +2196,7 @@
           <p:cNvPr id="3" name="内容占位符 2">
             <a:extLst>
               <a:ext uri="{FF2B5EF4-FFF2-40B4-BE49-F238E27FC236}">
-                <a16:creationId xmlns:a16="http://schemas.microsoft.com/office/drawing/2014/main" id="{E1FCDCBA-1CBF-2C9E-B6B6-B9ADC34C3D3B}"/>
+                <a16:creationId xmlns:a16="http://schemas.microsoft.com/office/drawing/2014/main" id="{3CA043EB-1512-DA74-076A-60A5C83EF88E}"/>
               </a:ext>
             </a:extLst>
           </p:cNvPr>
@@ -2286,7 +2286,7 @@
           <p:cNvPr id="4" name="文本占位符 3">
             <a:extLst>
               <a:ext uri="{FF2B5EF4-FFF2-40B4-BE49-F238E27FC236}">
-                <a16:creationId xmlns:a16="http://schemas.microsoft.com/office/drawing/2014/main" id="{7C03DFAB-CB60-5096-35C8-3F3667FC8462}"/>
+                <a16:creationId xmlns:a16="http://schemas.microsoft.com/office/drawing/2014/main" id="{E49D3B63-C316-5743-4C06-7C655F6B33F0}"/>
               </a:ext>
             </a:extLst>
           </p:cNvPr>
@@ -2357,7 +2357,7 @@
           <p:cNvPr id="5" name="日期占位符 4">
             <a:extLst>
               <a:ext uri="{FF2B5EF4-FFF2-40B4-BE49-F238E27FC236}">
-                <a16:creationId xmlns:a16="http://schemas.microsoft.com/office/drawing/2014/main" id="{C3F15DF2-CEA8-5FE6-4EEF-09B3DEED1A68}"/>
+                <a16:creationId xmlns:a16="http://schemas.microsoft.com/office/drawing/2014/main" id="{CE9210BC-4936-49D8-8EDB-953E6D266B38}"/>
               </a:ext>
             </a:extLst>
           </p:cNvPr>
@@ -2373,7 +2373,7 @@
           <a:bodyPr/>
           <a:lstStyle/>
           <a:p>
-            <a:fld id="{CFD01A65-5A86-4388-9A12-A8EE3667C7FF}" type="datetimeFigureOut">
+            <a:fld id="{2A077E10-14FD-4E0E-A849-9BD65257CFCD}" type="datetimeFigureOut">
               <a:rPr lang="zh-CN" altLang="en-US" smtClean="0"/>
               <a:t>2024/3/10</a:t>
             </a:fld>
@@ -2386,7 +2386,7 @@
           <p:cNvPr id="6" name="页脚占位符 5">
             <a:extLst>
               <a:ext uri="{FF2B5EF4-FFF2-40B4-BE49-F238E27FC236}">
-                <a16:creationId xmlns:a16="http://schemas.microsoft.com/office/drawing/2014/main" id="{F7673C6B-90D8-506D-9E40-48F3E64D9B98}"/>
+                <a16:creationId xmlns:a16="http://schemas.microsoft.com/office/drawing/2014/main" id="{4E91CBEF-5AF6-157F-0938-A519C034A13B}"/>
               </a:ext>
             </a:extLst>
           </p:cNvPr>
@@ -2411,7 +2411,7 @@
           <p:cNvPr id="7" name="灯片编号占位符 6">
             <a:extLst>
               <a:ext uri="{FF2B5EF4-FFF2-40B4-BE49-F238E27FC236}">
-                <a16:creationId xmlns:a16="http://schemas.microsoft.com/office/drawing/2014/main" id="{A4D41A91-2412-96B5-0110-AAEBAB0D2021}"/>
+                <a16:creationId xmlns:a16="http://schemas.microsoft.com/office/drawing/2014/main" id="{C8CD9A86-8A39-9FC7-8680-FCB5070BFB91}"/>
               </a:ext>
             </a:extLst>
           </p:cNvPr>
@@ -2427,7 +2427,7 @@
           <a:bodyPr/>
           <a:lstStyle/>
           <a:p>
-            <a:fld id="{4A1B0B51-F336-4B4D-8DA5-115D26E68432}" type="slidenum">
+            <a:fld id="{E0AE6715-F0AB-46A3-BBD9-26FE3181D59E}" type="slidenum">
               <a:rPr lang="zh-CN" altLang="en-US" smtClean="0"/>
               <a:t>‹#›</a:t>
             </a:fld>
@@ -2438,7 +2438,7 @@
     </p:spTree>
     <p:extLst>
       <p:ext uri="{BB962C8B-B14F-4D97-AF65-F5344CB8AC3E}">
-        <p14:creationId xmlns:p14="http://schemas.microsoft.com/office/powerpoint/2010/main" val="1071938756"/>
+        <p14:creationId xmlns:p14="http://schemas.microsoft.com/office/powerpoint/2010/main" val="2653045558"/>
       </p:ext>
     </p:extLst>
   </p:cSld>
@@ -2470,7 +2470,7 @@
           <p:cNvPr id="2" name="标题 1">
             <a:extLst>
               <a:ext uri="{FF2B5EF4-FFF2-40B4-BE49-F238E27FC236}">
-                <a16:creationId xmlns:a16="http://schemas.microsoft.com/office/drawing/2014/main" id="{0B736471-EFD3-F808-2550-0D5B1A4FFA54}"/>
+                <a16:creationId xmlns:a16="http://schemas.microsoft.com/office/drawing/2014/main" id="{1D8CBBB5-5E71-E079-B353-F71752A1ED57}"/>
               </a:ext>
             </a:extLst>
           </p:cNvPr>
@@ -2507,7 +2507,7 @@
           <p:cNvPr id="3" name="图片占位符 2">
             <a:extLst>
               <a:ext uri="{FF2B5EF4-FFF2-40B4-BE49-F238E27FC236}">
-                <a16:creationId xmlns:a16="http://schemas.microsoft.com/office/drawing/2014/main" id="{BF4C02F7-4F64-6569-1848-D6570B3849BC}"/>
+                <a16:creationId xmlns:a16="http://schemas.microsoft.com/office/drawing/2014/main" id="{D93CD65D-7C51-9DB2-F4C9-93C6F15B63A8}"/>
               </a:ext>
             </a:extLst>
           </p:cNvPr>
@@ -2574,7 +2574,7 @@
           <p:cNvPr id="4" name="文本占位符 3">
             <a:extLst>
               <a:ext uri="{FF2B5EF4-FFF2-40B4-BE49-F238E27FC236}">
-                <a16:creationId xmlns:a16="http://schemas.microsoft.com/office/drawing/2014/main" id="{6D267C71-8056-0A31-BE82-C305C816FDA5}"/>
+                <a16:creationId xmlns:a16="http://schemas.microsoft.com/office/drawing/2014/main" id="{ECB9AF37-651E-60FF-2EA5-27A69EFA39CE}"/>
               </a:ext>
             </a:extLst>
           </p:cNvPr>
@@ -2645,7 +2645,7 @@
           <p:cNvPr id="5" name="日期占位符 4">
             <a:extLst>
               <a:ext uri="{FF2B5EF4-FFF2-40B4-BE49-F238E27FC236}">
-                <a16:creationId xmlns:a16="http://schemas.microsoft.com/office/drawing/2014/main" id="{0D513114-C0AA-0C82-1098-278046B90557}"/>
+                <a16:creationId xmlns:a16="http://schemas.microsoft.com/office/drawing/2014/main" id="{F54715DB-D8D9-97B4-AF2E-064D381DF4C7}"/>
               </a:ext>
             </a:extLst>
           </p:cNvPr>
@@ -2661,7 +2661,7 @@
           <a:bodyPr/>
           <a:lstStyle/>
           <a:p>
-            <a:fld id="{CFD01A65-5A86-4388-9A12-A8EE3667C7FF}" type="datetimeFigureOut">
+            <a:fld id="{2A077E10-14FD-4E0E-A849-9BD65257CFCD}" type="datetimeFigureOut">
               <a:rPr lang="zh-CN" altLang="en-US" smtClean="0"/>
               <a:t>2024/3/10</a:t>
             </a:fld>
@@ -2674,7 +2674,7 @@
           <p:cNvPr id="6" name="页脚占位符 5">
             <a:extLst>
               <a:ext uri="{FF2B5EF4-FFF2-40B4-BE49-F238E27FC236}">
-                <a16:creationId xmlns:a16="http://schemas.microsoft.com/office/drawing/2014/main" id="{ECAF8F9A-269A-0768-F80F-F08075FE08F5}"/>
+                <a16:creationId xmlns:a16="http://schemas.microsoft.com/office/drawing/2014/main" id="{193D3FC6-46C4-FE8E-3036-A556F208F142}"/>
               </a:ext>
             </a:extLst>
           </p:cNvPr>
@@ -2699,7 +2699,7 @@
           <p:cNvPr id="7" name="灯片编号占位符 6">
             <a:extLst>
               <a:ext uri="{FF2B5EF4-FFF2-40B4-BE49-F238E27FC236}">
-                <a16:creationId xmlns:a16="http://schemas.microsoft.com/office/drawing/2014/main" id="{9309A0BD-DEFC-8F4A-E9DD-B018DDAD26BB}"/>
+                <a16:creationId xmlns:a16="http://schemas.microsoft.com/office/drawing/2014/main" id="{EE1ADCB5-318F-037B-1879-6FCE3D822BEE}"/>
               </a:ext>
             </a:extLst>
           </p:cNvPr>
@@ -2715,7 +2715,7 @@
           <a:bodyPr/>
           <a:lstStyle/>
           <a:p>
-            <a:fld id="{4A1B0B51-F336-4B4D-8DA5-115D26E68432}" type="slidenum">
+            <a:fld id="{E0AE6715-F0AB-46A3-BBD9-26FE3181D59E}" type="slidenum">
               <a:rPr lang="zh-CN" altLang="en-US" smtClean="0"/>
               <a:t>‹#›</a:t>
             </a:fld>
@@ -2726,7 +2726,7 @@
     </p:spTree>
     <p:extLst>
       <p:ext uri="{BB962C8B-B14F-4D97-AF65-F5344CB8AC3E}">
-        <p14:creationId xmlns:p14="http://schemas.microsoft.com/office/powerpoint/2010/main" val="3218985938"/>
+        <p14:creationId xmlns:p14="http://schemas.microsoft.com/office/powerpoint/2010/main" val="2712872741"/>
       </p:ext>
     </p:extLst>
   </p:cSld>
@@ -2763,7 +2763,7 @@
           <p:cNvPr id="2" name="标题占位符 1">
             <a:extLst>
               <a:ext uri="{FF2B5EF4-FFF2-40B4-BE49-F238E27FC236}">
-                <a16:creationId xmlns:a16="http://schemas.microsoft.com/office/drawing/2014/main" id="{102DA7E2-8B6C-CE03-6A14-332ABF7A2801}"/>
+                <a16:creationId xmlns:a16="http://schemas.microsoft.com/office/drawing/2014/main" id="{30DD176D-D640-BBD3-6FFC-5892882035A4}"/>
               </a:ext>
             </a:extLst>
           </p:cNvPr>
@@ -2801,7 +2801,7 @@
           <p:cNvPr id="3" name="文本占位符 2">
             <a:extLst>
               <a:ext uri="{FF2B5EF4-FFF2-40B4-BE49-F238E27FC236}">
-                <a16:creationId xmlns:a16="http://schemas.microsoft.com/office/drawing/2014/main" id="{58A3B7FD-9E56-5EDB-CD91-DB098A655EB3}"/>
+                <a16:creationId xmlns:a16="http://schemas.microsoft.com/office/drawing/2014/main" id="{784610DC-2158-5BD9-CDA9-C687C88C174E}"/>
               </a:ext>
             </a:extLst>
           </p:cNvPr>
@@ -2868,7 +2868,7 @@
           <p:cNvPr id="4" name="日期占位符 3">
             <a:extLst>
               <a:ext uri="{FF2B5EF4-FFF2-40B4-BE49-F238E27FC236}">
-                <a16:creationId xmlns:a16="http://schemas.microsoft.com/office/drawing/2014/main" id="{1335ABFD-2AFB-CA81-DB8B-B3B112103714}"/>
+                <a16:creationId xmlns:a16="http://schemas.microsoft.com/office/drawing/2014/main" id="{71C019A1-05F7-0F6B-4B00-5B6BB9AA2CD1}"/>
               </a:ext>
             </a:extLst>
           </p:cNvPr>
@@ -2902,7 +2902,7 @@
             </a:lvl1pPr>
           </a:lstStyle>
           <a:p>
-            <a:fld id="{CFD01A65-5A86-4388-9A12-A8EE3667C7FF}" type="datetimeFigureOut">
+            <a:fld id="{2A077E10-14FD-4E0E-A849-9BD65257CFCD}" type="datetimeFigureOut">
               <a:rPr lang="zh-CN" altLang="en-US" smtClean="0"/>
               <a:t>2024/3/10</a:t>
             </a:fld>
@@ -2915,7 +2915,7 @@
           <p:cNvPr id="5" name="页脚占位符 4">
             <a:extLst>
               <a:ext uri="{FF2B5EF4-FFF2-40B4-BE49-F238E27FC236}">
-                <a16:creationId xmlns:a16="http://schemas.microsoft.com/office/drawing/2014/main" id="{B6E1B0FE-0446-2C48-A9C6-4071BDCF991C}"/>
+                <a16:creationId xmlns:a16="http://schemas.microsoft.com/office/drawing/2014/main" id="{11FFE3DF-EECB-8AA3-370F-1F44DBC4051C}"/>
               </a:ext>
             </a:extLst>
           </p:cNvPr>
@@ -2958,7 +2958,7 @@
           <p:cNvPr id="6" name="灯片编号占位符 5">
             <a:extLst>
               <a:ext uri="{FF2B5EF4-FFF2-40B4-BE49-F238E27FC236}">
-                <a16:creationId xmlns:a16="http://schemas.microsoft.com/office/drawing/2014/main" id="{03D5FEA3-DE78-9C8C-E4BF-E6DA4AF2C23A}"/>
+                <a16:creationId xmlns:a16="http://schemas.microsoft.com/office/drawing/2014/main" id="{68C679E7-F5FE-D947-E966-A09BCCB2473B}"/>
               </a:ext>
             </a:extLst>
           </p:cNvPr>
@@ -2992,7 +2992,7 @@
             </a:lvl1pPr>
           </a:lstStyle>
           <a:p>
-            <a:fld id="{4A1B0B51-F336-4B4D-8DA5-115D26E68432}" type="slidenum">
+            <a:fld id="{E0AE6715-F0AB-46A3-BBD9-26FE3181D59E}" type="slidenum">
               <a:rPr lang="zh-CN" altLang="en-US" smtClean="0"/>
               <a:t>‹#›</a:t>
             </a:fld>
@@ -3003,7 +3003,7 @@
     </p:spTree>
     <p:extLst>
       <p:ext uri="{BB962C8B-B14F-4D97-AF65-F5344CB8AC3E}">
-        <p14:creationId xmlns:p14="http://schemas.microsoft.com/office/powerpoint/2010/main" val="1087948445"/>
+        <p14:creationId xmlns:p14="http://schemas.microsoft.com/office/powerpoint/2010/main" val="575914617"/>
       </p:ext>
     </p:extLst>
   </p:cSld>
@@ -3323,7 +3323,7 @@
       </p:grpSpPr>
       <p:pic>
         <p:nvPicPr>
-          <p:cNvPr id="785410" name="Picture 2" descr="766"/>
+          <p:cNvPr id="786434" name="Picture 2" descr="767"/>
           <p:cNvPicPr>
             <a:picLocks noChangeAspect="1" noChangeArrowheads="1"/>
           </p:cNvPicPr>
@@ -3375,11 +3375,158 @@
           </a:extLst>
         </p:spPr>
       </p:pic>
+      <p:pic>
+        <p:nvPicPr>
+          <p:cNvPr id="787459" name="Picture 3" descr="767-2"/>
+          <p:cNvPicPr>
+            <a:picLocks noChangeAspect="1" noChangeArrowheads="1"/>
+          </p:cNvPicPr>
+          <p:nvPr/>
+        </p:nvPicPr>
+        <p:blipFill>
+          <a:blip r:embed="rId3">
+            <a:extLst>
+              <a:ext uri="{28A0092B-C50C-407E-A947-70E740481C1C}">
+                <a14:useLocalDpi xmlns:a14="http://schemas.microsoft.com/office/drawing/2010/main" val="0"/>
+              </a:ext>
+            </a:extLst>
+          </a:blip>
+          <a:srcRect/>
+          <a:stretch>
+            <a:fillRect/>
+          </a:stretch>
+        </p:blipFill>
+        <p:spPr bwMode="auto">
+          <a:xfrm>
+            <a:off x="1560513" y="0"/>
+            <a:ext cx="9144000" cy="6858000"/>
+          </a:xfrm>
+          <a:prstGeom prst="rect">
+            <a:avLst/>
+          </a:prstGeom>
+          <a:noFill/>
+          <a:ln>
+            <a:noFill/>
+          </a:ln>
+          <a:effectLst/>
+          <a:extLst>
+            <a:ext uri="{909E8E84-426E-40DD-AFC4-6F175D3DCCD1}">
+              <a14:hiddenFill xmlns:a14="http://schemas.microsoft.com/office/drawing/2010/main">
+                <a:solidFill>
+                  <a:srgbClr val="FFFFFF"/>
+                </a:solidFill>
+              </a14:hiddenFill>
+            </a:ext>
+            <a:ext uri="{91240B29-F687-4F45-9708-019B960494DF}">
+              <a14:hiddenLine xmlns:a14="http://schemas.microsoft.com/office/drawing/2010/main" w="9525">
+                <a:solidFill>
+                  <a:srgbClr val="000000"/>
+                </a:solidFill>
+                <a:miter lim="800000"/>
+                <a:headEnd/>
+                <a:tailEnd/>
+              </a14:hiddenLine>
+            </a:ext>
+            <a:ext uri="{AF507438-7753-43E0-B8FC-AC1667EBCBE1}">
+              <a14:hiddenEffects xmlns:a14="http://schemas.microsoft.com/office/drawing/2010/main">
+                <a:effectLst>
+                  <a:outerShdw dist="35921" dir="2700000" algn="ctr" rotWithShape="0">
+                    <a:srgbClr val="808080"/>
+                  </a:outerShdw>
+                </a:effectLst>
+              </a14:hiddenEffects>
+            </a:ext>
+          </a:extLst>
+        </p:spPr>
+      </p:pic>
     </p:spTree>
   </p:cSld>
   <p:clrMapOvr>
     <a:masterClrMapping/>
   </p:clrMapOvr>
+  <p:timing>
+    <p:tnLst>
+      <p:par>
+        <p:cTn id="1" dur="indefinite" restart="never" nodeType="tmRoot">
+          <p:childTnLst>
+            <p:seq concurrent="1" nextAc="seek">
+              <p:cTn id="2" dur="indefinite" nodeType="mainSeq">
+                <p:childTnLst>
+                  <p:par>
+                    <p:cTn id="3" fill="hold" nodeType="clickPar">
+                      <p:stCondLst>
+                        <p:cond delay="indefinite"/>
+                      </p:stCondLst>
+                      <p:childTnLst>
+                        <p:par>
+                          <p:cTn id="4" fill="hold" nodeType="withGroup">
+                            <p:stCondLst>
+                              <p:cond delay="0"/>
+                            </p:stCondLst>
+                            <p:childTnLst>
+                              <p:par>
+                                <p:cTn id="5" presetID="10" presetClass="entr" presetSubtype="0" fill="hold" nodeType="clickEffect">
+                                  <p:stCondLst>
+                                    <p:cond delay="0"/>
+                                  </p:stCondLst>
+                                  <p:childTnLst>
+                                    <p:set>
+                                      <p:cBhvr>
+                                        <p:cTn id="6" dur="1" fill="hold">
+                                          <p:stCondLst>
+                                            <p:cond delay="0"/>
+                                          </p:stCondLst>
+                                        </p:cTn>
+                                        <p:tgtEl>
+                                          <p:spTgt spid="787459"/>
+                                        </p:tgtEl>
+                                        <p:attrNameLst>
+                                          <p:attrName>style.visibility</p:attrName>
+                                        </p:attrNameLst>
+                                      </p:cBhvr>
+                                      <p:to>
+                                        <p:strVal val="visible"/>
+                                      </p:to>
+                                    </p:set>
+                                    <p:animEffect transition="in" filter="fade">
+                                      <p:cBhvr>
+                                        <p:cTn id="7" dur="500"/>
+                                        <p:tgtEl>
+                                          <p:spTgt spid="787459"/>
+                                        </p:tgtEl>
+                                      </p:cBhvr>
+                                    </p:animEffect>
+                                  </p:childTnLst>
+                                </p:cTn>
+                              </p:par>
+                            </p:childTnLst>
+                          </p:cTn>
+                        </p:par>
+                      </p:childTnLst>
+                    </p:cTn>
+                  </p:par>
+                </p:childTnLst>
+              </p:cTn>
+              <p:prevCondLst>
+                <p:cond evt="onPrev" delay="0">
+                  <p:tgtEl>
+                    <p:sldTgt/>
+                  </p:tgtEl>
+                </p:cond>
+              </p:prevCondLst>
+              <p:nextCondLst>
+                <p:cond evt="onNext" delay="0">
+                  <p:tgtEl>
+                    <p:sldTgt/>
+                  </p:tgtEl>
+                </p:cond>
+              </p:nextCondLst>
+            </p:seq>
+          </p:childTnLst>
+        </p:cTn>
+      </p:par>
+    </p:tnLst>
+  </p:timing>
 </p:sld>
 </file>
 
